--- a/lectures3/Pythonlearn-05-Iterations-PL.pptx
+++ b/lectures3/Pythonlearn-05-Iterations-PL.pptx
@@ -8036,7 +8036,7 @@
               <a:buNone/>
             </a:pPr>
             <a:r>
-              <a:rPr lang="pl" sz="7600" b="0" i="0" u="none" strike="noStrike" cap="none" baseline="0">
+              <a:rPr lang="pl" sz="7600" b="0" i="0" u="none" strike="noStrike" cap="none" baseline="0" dirty="0">
                 <a:solidFill>
                   <a:srgbClr val="FFD966"/>
                 </a:solidFill>

--- a/lectures3/Pythonlearn-05-Iterations-PL.pptx
+++ b/lectures3/Pythonlearn-05-Iterations-PL.pptx
@@ -11378,7 +11378,7 @@
               <a:buNone/>
             </a:pPr>
             <a:r>
-              <a:rPr lang="pl" sz="7600" b="0" i="0" u="none" strike="noStrike" cap="none" baseline="0">
+              <a:rPr lang="pl" sz="7600" b="0" i="0" u="none" strike="noStrike" cap="none" baseline="0" dirty="0">
                 <a:solidFill>
                   <a:srgbClr val="FFD966"/>
                 </a:solidFill>
@@ -11387,8 +11387,29 @@
                 <a:cs typeface="Arial" charset="0"/>
                 <a:sym typeface="Cabin"/>
               </a:rPr>
-              <a:t>Pętla określona z ciągami znaków</a:t>
-            </a:r>
+              <a:t>Pętla określona z </a:t>
+            </a:r>
+            <a:r>
+              <a:rPr lang="en-US" sz="7600" b="0" i="0" u="none" strike="noStrike" cap="none" baseline="0" dirty="0" err="1">
+                <a:solidFill>
+                  <a:srgbClr val="FFD966"/>
+                </a:solidFill>
+                <a:latin typeface="Arial" charset="0"/>
+                <a:ea typeface="Arial" charset="0"/>
+                <a:cs typeface="Arial" charset="0"/>
+                <a:sym typeface="Cabin"/>
+              </a:rPr>
+              <a:t>napisami</a:t>
+            </a:r>
+            <a:endParaRPr lang="pl" sz="7600" b="0" i="0" u="none" strike="noStrike" cap="none" baseline="0" dirty="0">
+              <a:solidFill>
+                <a:srgbClr val="FFD966"/>
+              </a:solidFill>
+              <a:latin typeface="Arial" charset="0"/>
+              <a:ea typeface="Arial" charset="0"/>
+              <a:cs typeface="Arial" charset="0"/>
+              <a:sym typeface="Cabin"/>
+            </a:endParaRPr>
           </a:p>
         </p:txBody>
       </p:sp>
@@ -42959,7 +42980,31 @@
                 <a:cs typeface="Arial" charset="0"/>
                 <a:sym typeface="Cabin"/>
               </a:rPr>
-              <a:t> i </a:t>
+              <a:t> </a:t>
+            </a:r>
+            <a:r>
+              <a:rPr lang="en-US" sz="7600" b="0" i="0" u="none" strike="noStrike" cap="none" baseline="0" dirty="0" err="1">
+                <a:solidFill>
+                  <a:srgbClr val="FFD966"/>
+                </a:solidFill>
+                <a:latin typeface="Arial" charset="0"/>
+                <a:ea typeface="Arial" charset="0"/>
+                <a:cs typeface="Arial" charset="0"/>
+                <a:sym typeface="Cabin"/>
+              </a:rPr>
+              <a:t>oraz</a:t>
+            </a:r>
+            <a:r>
+              <a:rPr lang="pl" sz="7600" b="0" i="0" u="none" strike="noStrike" cap="none" baseline="0" dirty="0">
+                <a:solidFill>
+                  <a:srgbClr val="FFD966"/>
+                </a:solidFill>
+                <a:latin typeface="Arial" charset="0"/>
+                <a:ea typeface="Arial" charset="0"/>
+                <a:cs typeface="Arial" charset="0"/>
+                <a:sym typeface="Cabin"/>
+              </a:rPr>
+              <a:t> </a:t>
             </a:r>
             <a:r>
               <a:rPr lang="pl" sz="7600" b="0" i="0" u="none" strike="noStrike" cap="none" baseline="0" dirty="0">
